--- a/Relatorio/image/PESTA/Diagrama/Diagrama_bloco.pptx
+++ b/Relatorio/image/PESTA/Diagrama/Diagrama_bloco.pptx
@@ -269,7 +269,7 @@
           <a:p>
             <a:fld id="{486408F3-248D-4767-B5FA-BB4B09811B03}" type="datetimeFigureOut">
               <a:rPr lang="en-GB" smtClean="0"/>
-              <a:t>31/05/2021</a:t>
+              <a:t>21/06/2021</a:t>
             </a:fld>
             <a:endParaRPr lang="en-GB"/>
           </a:p>
@@ -469,7 +469,7 @@
           <a:p>
             <a:fld id="{486408F3-248D-4767-B5FA-BB4B09811B03}" type="datetimeFigureOut">
               <a:rPr lang="en-GB" smtClean="0"/>
-              <a:t>31/05/2021</a:t>
+              <a:t>21/06/2021</a:t>
             </a:fld>
             <a:endParaRPr lang="en-GB"/>
           </a:p>
@@ -679,7 +679,7 @@
           <a:p>
             <a:fld id="{486408F3-248D-4767-B5FA-BB4B09811B03}" type="datetimeFigureOut">
               <a:rPr lang="en-GB" smtClean="0"/>
-              <a:t>31/05/2021</a:t>
+              <a:t>21/06/2021</a:t>
             </a:fld>
             <a:endParaRPr lang="en-GB"/>
           </a:p>
@@ -879,7 +879,7 @@
           <a:p>
             <a:fld id="{486408F3-248D-4767-B5FA-BB4B09811B03}" type="datetimeFigureOut">
               <a:rPr lang="en-GB" smtClean="0"/>
-              <a:t>31/05/2021</a:t>
+              <a:t>21/06/2021</a:t>
             </a:fld>
             <a:endParaRPr lang="en-GB"/>
           </a:p>
@@ -1155,7 +1155,7 @@
           <a:p>
             <a:fld id="{486408F3-248D-4767-B5FA-BB4B09811B03}" type="datetimeFigureOut">
               <a:rPr lang="en-GB" smtClean="0"/>
-              <a:t>31/05/2021</a:t>
+              <a:t>21/06/2021</a:t>
             </a:fld>
             <a:endParaRPr lang="en-GB"/>
           </a:p>
@@ -1423,7 +1423,7 @@
           <a:p>
             <a:fld id="{486408F3-248D-4767-B5FA-BB4B09811B03}" type="datetimeFigureOut">
               <a:rPr lang="en-GB" smtClean="0"/>
-              <a:t>31/05/2021</a:t>
+              <a:t>21/06/2021</a:t>
             </a:fld>
             <a:endParaRPr lang="en-GB"/>
           </a:p>
@@ -1838,7 +1838,7 @@
           <a:p>
             <a:fld id="{486408F3-248D-4767-B5FA-BB4B09811B03}" type="datetimeFigureOut">
               <a:rPr lang="en-GB" smtClean="0"/>
-              <a:t>31/05/2021</a:t>
+              <a:t>21/06/2021</a:t>
             </a:fld>
             <a:endParaRPr lang="en-GB"/>
           </a:p>
@@ -1980,7 +1980,7 @@
           <a:p>
             <a:fld id="{486408F3-248D-4767-B5FA-BB4B09811B03}" type="datetimeFigureOut">
               <a:rPr lang="en-GB" smtClean="0"/>
-              <a:t>31/05/2021</a:t>
+              <a:t>21/06/2021</a:t>
             </a:fld>
             <a:endParaRPr lang="en-GB"/>
           </a:p>
@@ -2093,7 +2093,7 @@
           <a:p>
             <a:fld id="{486408F3-248D-4767-B5FA-BB4B09811B03}" type="datetimeFigureOut">
               <a:rPr lang="en-GB" smtClean="0"/>
-              <a:t>31/05/2021</a:t>
+              <a:t>21/06/2021</a:t>
             </a:fld>
             <a:endParaRPr lang="en-GB"/>
           </a:p>
@@ -2406,7 +2406,7 @@
           <a:p>
             <a:fld id="{486408F3-248D-4767-B5FA-BB4B09811B03}" type="datetimeFigureOut">
               <a:rPr lang="en-GB" smtClean="0"/>
-              <a:t>31/05/2021</a:t>
+              <a:t>21/06/2021</a:t>
             </a:fld>
             <a:endParaRPr lang="en-GB"/>
           </a:p>
@@ -2695,7 +2695,7 @@
           <a:p>
             <a:fld id="{486408F3-248D-4767-B5FA-BB4B09811B03}" type="datetimeFigureOut">
               <a:rPr lang="en-GB" smtClean="0"/>
-              <a:t>31/05/2021</a:t>
+              <a:t>21/06/2021</a:t>
             </a:fld>
             <a:endParaRPr lang="en-GB"/>
           </a:p>
@@ -2938,7 +2938,7 @@
           <a:p>
             <a:fld id="{486408F3-248D-4767-B5FA-BB4B09811B03}" type="datetimeFigureOut">
               <a:rPr lang="en-GB" smtClean="0"/>
-              <a:t>31/05/2021</a:t>
+              <a:t>21/06/2021</a:t>
             </a:fld>
             <a:endParaRPr lang="en-GB"/>
           </a:p>
@@ -3383,8 +3383,8 @@
         </p:blipFill>
         <p:spPr>
           <a:xfrm>
-            <a:off x="248869" y="548103"/>
-            <a:ext cx="2063136" cy="1901509"/>
+            <a:off x="452610" y="1228459"/>
+            <a:ext cx="1482089" cy="1021999"/>
           </a:xfrm>
           <a:prstGeom prst="rect">
             <a:avLst/>
@@ -3584,7 +3584,7 @@
                   <a:schemeClr val="tx1"/>
                 </a:solidFill>
               </a:rPr>
-              <a:t>Serial</a:t>
+              <a:t>Série</a:t>
             </a:r>
           </a:p>
         </p:txBody>
@@ -3951,8 +3951,8 @@
         </p:nvSpPr>
         <p:spPr>
           <a:xfrm>
-            <a:off x="2286040" y="304800"/>
-            <a:ext cx="6766669" cy="2902226"/>
+            <a:off x="2380470" y="304800"/>
+            <a:ext cx="6672239" cy="2902226"/>
           </a:xfrm>
           <a:prstGeom prst="rect">
             <a:avLst/>
@@ -4304,7 +4304,7 @@
         </p:nvSpPr>
         <p:spPr>
           <a:xfrm>
-            <a:off x="248869" y="2643653"/>
+            <a:off x="357053" y="2244194"/>
             <a:ext cx="1631152" cy="369332"/>
           </a:xfrm>
           <a:prstGeom prst="rect">
@@ -4459,6 +4459,100 @@
               <a:t>)</a:t>
             </a:r>
             <a:endParaRPr lang="en-GB" sz="1600" dirty="0"/>
+          </a:p>
+        </p:txBody>
+      </p:sp>
+      <p:sp>
+        <p:nvSpPr>
+          <p:cNvPr id="24" name="Rectangle 23">
+            <a:extLst>
+              <a:ext uri="{FF2B5EF4-FFF2-40B4-BE49-F238E27FC236}">
+                <a16:creationId xmlns:a16="http://schemas.microsoft.com/office/drawing/2014/main" id="{3576D7AA-F3A0-4ABA-B5EB-4FD726BA2FF2}"/>
+              </a:ext>
+            </a:extLst>
+          </p:cNvPr>
+          <p:cNvSpPr/>
+          <p:nvPr/>
+        </p:nvSpPr>
+        <p:spPr>
+          <a:xfrm>
+            <a:off x="351665" y="907221"/>
+            <a:ext cx="1641929" cy="1712569"/>
+          </a:xfrm>
+          <a:prstGeom prst="rect">
+            <a:avLst/>
+          </a:prstGeom>
+          <a:noFill/>
+          <a:ln w="38100"/>
+        </p:spPr>
+        <p:style>
+          <a:lnRef idx="2">
+            <a:schemeClr val="accent1">
+              <a:shade val="50000"/>
+            </a:schemeClr>
+          </a:lnRef>
+          <a:fillRef idx="1">
+            <a:schemeClr val="accent1"/>
+          </a:fillRef>
+          <a:effectRef idx="0">
+            <a:schemeClr val="accent1"/>
+          </a:effectRef>
+          <a:fontRef idx="minor">
+            <a:schemeClr val="lt1"/>
+          </a:fontRef>
+        </p:style>
+        <p:txBody>
+          <a:bodyPr rtlCol="0" anchor="ctr"/>
+          <a:lstStyle/>
+          <a:p>
+            <a:pPr algn="ctr"/>
+            <a:endParaRPr lang="en-GB"/>
+          </a:p>
+        </p:txBody>
+      </p:sp>
+      <p:sp>
+        <p:nvSpPr>
+          <p:cNvPr id="27" name="Arrow: Right 26">
+            <a:extLst>
+              <a:ext uri="{FF2B5EF4-FFF2-40B4-BE49-F238E27FC236}">
+                <a16:creationId xmlns:a16="http://schemas.microsoft.com/office/drawing/2014/main" id="{AB80E5EE-F71B-4FB5-9EFE-5948A0C3C737}"/>
+              </a:ext>
+            </a:extLst>
+          </p:cNvPr>
+          <p:cNvSpPr/>
+          <p:nvPr/>
+        </p:nvSpPr>
+        <p:spPr>
+          <a:xfrm>
+            <a:off x="2054980" y="1693478"/>
+            <a:ext cx="271130" cy="314957"/>
+          </a:xfrm>
+          <a:prstGeom prst="rightArrow">
+            <a:avLst/>
+          </a:prstGeom>
+        </p:spPr>
+        <p:style>
+          <a:lnRef idx="2">
+            <a:schemeClr val="accent1">
+              <a:shade val="50000"/>
+            </a:schemeClr>
+          </a:lnRef>
+          <a:fillRef idx="1">
+            <a:schemeClr val="accent1"/>
+          </a:fillRef>
+          <a:effectRef idx="0">
+            <a:schemeClr val="accent1"/>
+          </a:effectRef>
+          <a:fontRef idx="minor">
+            <a:schemeClr val="lt1"/>
+          </a:fontRef>
+        </p:style>
+        <p:txBody>
+          <a:bodyPr rtlCol="0" anchor="ctr"/>
+          <a:lstStyle/>
+          <a:p>
+            <a:pPr algn="ctr"/>
+            <a:endParaRPr lang="en-GB"/>
           </a:p>
         </p:txBody>
       </p:sp>
